--- a/powerpoint/Tests/PitchItupproduct.pptx
+++ b/powerpoint/Tests/PitchItupproduct.pptx
@@ -2996,7 +2996,7 @@
                 </a:solidFill>
                 <a:latin typeface="Calibri"/>
               </a:rPr>
-              <a:t>"Itghurls"</a:t>
+              <a:t>"Team Bahug Taler"</a:t>
             </a:r>
           </a:p>
         </p:txBody>
@@ -3088,7 +3088,7 @@
                 </a:solidFill>
                 <a:latin typeface="Calibri"/>
               </a:rPr>
-              <a:t>PitchItup - a platform as a service for startup pitch deck.</a:t>
+              <a:t>PitchItup - A pitch deck nindot generator</a:t>
             </a:r>
           </a:p>
         </p:txBody>
@@ -3194,7 +3194,7 @@
                 </a:solidFill>
                 <a:latin typeface="Calibri"/>
               </a:rPr>
-              <a:t>- Having hard time creating pitch deck</a:t>
+              <a:t>- Having hard time </a:t>
             </a:r>
             <a:br/>
             <a:r>
@@ -3204,7 +3204,7 @@
                 </a:solidFill>
                 <a:latin typeface="Calibri"/>
               </a:rPr>
-              <a:t>-  having hard time finding templates</a:t>
+              <a:t>-  dakog ulok</a:t>
             </a:r>
           </a:p>
         </p:txBody>
@@ -3296,7 +3296,7 @@
                 </a:solidFill>
                 <a:latin typeface="Calibri"/>
               </a:rPr>
-              <a:t>PitchItup - a platform as a service for startup pitch deck.</a:t>
+              <a:t>PitchItup - A pitch deck nindot generator</a:t>
             </a:r>
           </a:p>
         </p:txBody>
@@ -3411,7 +3411,7 @@
                 </a:solidFill>
                 <a:latin typeface="Calibri"/>
               </a:rPr>
-              <a:t>- Befmwkniwjk</a:t>
+              <a:t>- asd</a:t>
             </a:r>
           </a:p>
         </p:txBody>
@@ -3477,7 +3477,7 @@
                 </a:solidFill>
                 <a:latin typeface="Calibri"/>
               </a:rPr>
-              <a:t>- ijbwyuvew7beuh</a:t>
+              <a:t>- asd</a:t>
             </a:r>
           </a:p>
         </p:txBody>

--- a/powerpoint/Tests/PitchItupproduct.pptx
+++ b/powerpoint/Tests/PitchItupproduct.pptx
@@ -2996,7 +2996,7 @@
                 </a:solidFill>
                 <a:latin typeface="Calibri"/>
               </a:rPr>
-              <a:t>"Team Bahug Taler"</a:t>
+              <a:t>"Itghurls"</a:t>
             </a:r>
           </a:p>
         </p:txBody>
@@ -3088,7 +3088,7 @@
                 </a:solidFill>
                 <a:latin typeface="Calibri"/>
               </a:rPr>
-              <a:t>PitchItup - A pitch deck nindot generator</a:t>
+              <a:t>PitchItup - a platform as a service for startup pitch deck.</a:t>
             </a:r>
           </a:p>
         </p:txBody>
@@ -3194,7 +3194,7 @@
                 </a:solidFill>
                 <a:latin typeface="Calibri"/>
               </a:rPr>
-              <a:t>- Having hard time </a:t>
+              <a:t>- Having hard time creating pitch deck</a:t>
             </a:r>
             <a:br/>
             <a:r>
@@ -3204,7 +3204,7 @@
                 </a:solidFill>
                 <a:latin typeface="Calibri"/>
               </a:rPr>
-              <a:t>-  dakog ulok</a:t>
+              <a:t>-  having hard time finding templates</a:t>
             </a:r>
           </a:p>
         </p:txBody>
@@ -3296,7 +3296,7 @@
                 </a:solidFill>
                 <a:latin typeface="Calibri"/>
               </a:rPr>
-              <a:t>PitchItup - A pitch deck nindot generator</a:t>
+              <a:t>PitchItup - a platform as a service for startup pitch deck.</a:t>
             </a:r>
           </a:p>
         </p:txBody>
@@ -3411,7 +3411,7 @@
                 </a:solidFill>
                 <a:latin typeface="Calibri"/>
               </a:rPr>
-              <a:t>- asd</a:t>
+              <a:t>- Befmwkniwjk</a:t>
             </a:r>
           </a:p>
         </p:txBody>
@@ -3477,7 +3477,7 @@
                 </a:solidFill>
                 <a:latin typeface="Calibri"/>
               </a:rPr>
-              <a:t>- asd</a:t>
+              <a:t>- ijbwyuvew7beuh</a:t>
             </a:r>
           </a:p>
         </p:txBody>

--- a/powerpoint/Tests/PitchItupproduct.pptx
+++ b/powerpoint/Tests/PitchItupproduct.pptx
@@ -2996,7 +2996,7 @@
                 </a:solidFill>
                 <a:latin typeface="Calibri"/>
               </a:rPr>
-              <a:t>"Itghurls"</a:t>
+              <a:t>"Team Bahug Taler"</a:t>
             </a:r>
           </a:p>
         </p:txBody>
@@ -3088,7 +3088,7 @@
                 </a:solidFill>
                 <a:latin typeface="Calibri"/>
               </a:rPr>
-              <a:t>PitchItup - a platform as a service for startup pitch deck.</a:t>
+              <a:t>PitchItup - A pitch deck nindot generatoraa</a:t>
             </a:r>
           </a:p>
         </p:txBody>
@@ -3194,7 +3194,7 @@
                 </a:solidFill>
                 <a:latin typeface="Calibri"/>
               </a:rPr>
-              <a:t>- Having hard time creating pitch deck</a:t>
+              <a:t>- Having hard time </a:t>
             </a:r>
             <a:br/>
             <a:r>
@@ -3204,7 +3204,7 @@
                 </a:solidFill>
                 <a:latin typeface="Calibri"/>
               </a:rPr>
-              <a:t>-  having hard time finding templates</a:t>
+              <a:t>-  dakog ulok</a:t>
             </a:r>
           </a:p>
         </p:txBody>
@@ -3296,7 +3296,7 @@
                 </a:solidFill>
                 <a:latin typeface="Calibri"/>
               </a:rPr>
-              <a:t>PitchItup - a platform as a service for startup pitch deck.</a:t>
+              <a:t>PitchItup - A pitch deck nindot generatoraa</a:t>
             </a:r>
           </a:p>
         </p:txBody>
@@ -3411,7 +3411,7 @@
                 </a:solidFill>
                 <a:latin typeface="Calibri"/>
               </a:rPr>
-              <a:t>- Befmwkniwjk</a:t>
+              <a:t>- agagaga</a:t>
             </a:r>
           </a:p>
         </p:txBody>
@@ -3477,7 +3477,7 @@
                 </a:solidFill>
                 <a:latin typeface="Calibri"/>
               </a:rPr>
-              <a:t>- ijbwyuvew7beuh</a:t>
+              <a:t>- asd</a:t>
             </a:r>
           </a:p>
         </p:txBody>
